--- a/Milestone6.pptx
+++ b/Milestone6.pptx
@@ -20751,8 +20751,21 @@
                   <a:srgbClr val="002060"/>
                 </a:solidFill>
               </a:rPr>
-              <a:t>Eliminates occurrence of a word(cause) from positive sentiment-sorted array </a:t>
+              <a:t>Eliminates occurrence of a word(cause) in positive sentiment array from negative sentiment array and </a:t>
             </a:r>
+            <a:r>
+              <a:rPr lang="en-US" sz="1400" b="1">
+                <a:solidFill>
+                  <a:srgbClr val="002060"/>
+                </a:solidFill>
+              </a:rPr>
+              <a:t>vice versa. </a:t>
+            </a:r>
+            <a:endParaRPr lang="en-US" sz="1400" b="1" dirty="0">
+              <a:solidFill>
+                <a:srgbClr val="002060"/>
+              </a:solidFill>
+            </a:endParaRPr>
           </a:p>
           <a:p>
             <a:pPr marL="587375" marR="0" lvl="0" indent="0" algn="l" rtl="0">

--- a/Milestone6.pptx
+++ b/Milestone6.pptx
@@ -5,7 +5,7 @@
     <p:sldMasterId id="2147483659" r:id="rId1"/>
   </p:sldMasterIdLst>
   <p:notesMasterIdLst>
-    <p:notesMasterId r:id="rId9"/>
+    <p:notesMasterId r:id="rId10"/>
   </p:notesMasterIdLst>
   <p:sldIdLst>
     <p:sldId id="256" r:id="rId2"/>
@@ -14,7 +14,8 @@
     <p:sldId id="259" r:id="rId5"/>
     <p:sldId id="265" r:id="rId6"/>
     <p:sldId id="268" r:id="rId7"/>
-    <p:sldId id="266" r:id="rId8"/>
+    <p:sldId id="269" r:id="rId8"/>
+    <p:sldId id="266" r:id="rId9"/>
   </p:sldIdLst>
   <p:sldSz cx="9144000" cy="5143500" type="screen16x9"/>
   <p:notesSz cx="6858000" cy="9144000"/>
@@ -1366,6 +1367,139 @@
 </file>
 
 <file path=ppt/notesSlides/notesSlide7.xml><?xml version="1.0" encoding="utf-8"?>
+<p:notes xmlns:a="http://schemas.openxmlformats.org/drawingml/2006/main" xmlns:r="http://schemas.openxmlformats.org/officeDocument/2006/relationships" xmlns:p="http://schemas.openxmlformats.org/presentationml/2006/main" showMasterSp="0" showMasterPhAnim="0">
+  <p:cSld>
+    <p:spTree>
+      <p:nvGrpSpPr>
+        <p:cNvPr id="1" name="Shape 293"/>
+        <p:cNvGrpSpPr/>
+        <p:nvPr/>
+      </p:nvGrpSpPr>
+      <p:grpSpPr>
+        <a:xfrm>
+          <a:off x="0" y="0"/>
+          <a:ext cx="0" cy="0"/>
+          <a:chOff x="0" y="0"/>
+          <a:chExt cx="0" cy="0"/>
+        </a:xfrm>
+      </p:grpSpPr>
+      <p:sp>
+        <p:nvSpPr>
+          <p:cNvPr id="294" name="Shape 294"/>
+          <p:cNvSpPr>
+            <a:spLocks noGrp="1" noRot="1" noChangeAspect="1"/>
+          </p:cNvSpPr>
+          <p:nvPr>
+            <p:ph type="sldImg" idx="2"/>
+          </p:nvPr>
+        </p:nvSpPr>
+        <p:spPr>
+          <a:xfrm>
+            <a:off x="381000" y="685800"/>
+            <a:ext cx="6096000" cy="3429000"/>
+          </a:xfrm>
+          <a:custGeom>
+            <a:avLst/>
+            <a:gdLst/>
+            <a:ahLst/>
+            <a:cxnLst/>
+            <a:rect l="0" t="0" r="0" b="0"/>
+            <a:pathLst>
+              <a:path w="120000" h="120000" extrusionOk="0">
+                <a:moveTo>
+                  <a:pt x="0" y="0"/>
+                </a:moveTo>
+                <a:lnTo>
+                  <a:pt x="120000" y="0"/>
+                </a:lnTo>
+                <a:lnTo>
+                  <a:pt x="120000" y="120000"/>
+                </a:lnTo>
+                <a:lnTo>
+                  <a:pt x="0" y="120000"/>
+                </a:lnTo>
+                <a:close/>
+              </a:path>
+            </a:pathLst>
+          </a:custGeom>
+          <a:noFill/>
+          <a:ln w="9525" cap="flat" cmpd="sng">
+            <a:solidFill>
+              <a:srgbClr val="000000"/>
+            </a:solidFill>
+            <a:prstDash val="solid"/>
+            <a:round/>
+            <a:headEnd type="none" w="med" len="med"/>
+            <a:tailEnd type="none" w="med" len="med"/>
+          </a:ln>
+        </p:spPr>
+      </p:sp>
+      <p:sp>
+        <p:nvSpPr>
+          <p:cNvPr id="295" name="Shape 295"/>
+          <p:cNvSpPr txBox="1">
+            <a:spLocks noGrp="1"/>
+          </p:cNvSpPr>
+          <p:nvPr>
+            <p:ph type="body" idx="1"/>
+          </p:nvPr>
+        </p:nvSpPr>
+        <p:spPr>
+          <a:xfrm>
+            <a:off x="685800" y="4343400"/>
+            <a:ext cx="5486400" cy="4114800"/>
+          </a:xfrm>
+          <a:prstGeom prst="rect">
+            <a:avLst/>
+          </a:prstGeom>
+          <a:noFill/>
+          <a:ln>
+            <a:noFill/>
+          </a:ln>
+        </p:spPr>
+        <p:txBody>
+          <a:bodyPr wrap="square" lIns="91425" tIns="91425" rIns="91425" bIns="91425" anchor="t" anchorCtr="0">
+            <a:noAutofit/>
+          </a:bodyPr>
+          <a:lstStyle/>
+          <a:p>
+            <a:pPr marL="0" marR="0" lvl="0" indent="0" algn="l" rtl="0">
+              <a:spcBef>
+                <a:spcPts val="0"/>
+              </a:spcBef>
+              <a:buClr>
+                <a:schemeClr val="dk1"/>
+              </a:buClr>
+              <a:buSzPct val="25000"/>
+              <a:buFont typeface="Arial"/>
+              <a:buNone/>
+            </a:pPr>
+            <a:endParaRPr sz="1100" b="0" i="0" u="none" strike="noStrike" cap="none">
+              <a:solidFill>
+                <a:schemeClr val="dk1"/>
+              </a:solidFill>
+              <a:latin typeface="Arial"/>
+              <a:ea typeface="Arial"/>
+              <a:cs typeface="Arial"/>
+              <a:sym typeface="Arial"/>
+            </a:endParaRPr>
+          </a:p>
+        </p:txBody>
+      </p:sp>
+    </p:spTree>
+    <p:extLst>
+      <p:ext uri="{BB962C8B-B14F-4D97-AF65-F5344CB8AC3E}">
+        <p14:creationId xmlns:p14="http://schemas.microsoft.com/office/powerpoint/2010/main" val="1184738078"/>
+      </p:ext>
+    </p:extLst>
+  </p:cSld>
+  <p:clrMapOvr>
+    <a:masterClrMapping/>
+  </p:clrMapOvr>
+</p:notes>
+</file>
+
+<file path=ppt/notesSlides/notesSlide8.xml><?xml version="1.0" encoding="utf-8"?>
 <p:notes xmlns:a="http://schemas.openxmlformats.org/drawingml/2006/main" xmlns:r="http://schemas.openxmlformats.org/officeDocument/2006/relationships" xmlns:p="http://schemas.openxmlformats.org/presentationml/2006/main" showMasterSp="0" showMasterPhAnim="0">
   <p:cSld>
     <p:spTree>
@@ -22033,6 +22167,337 @@
       </p:grpSpPr>
       <p:sp>
         <p:nvSpPr>
+          <p:cNvPr id="297" name="Shape 297"/>
+          <p:cNvSpPr txBox="1">
+            <a:spLocks noGrp="1"/>
+          </p:cNvSpPr>
+          <p:nvPr>
+            <p:ph type="body" idx="1"/>
+          </p:nvPr>
+        </p:nvSpPr>
+        <p:spPr>
+          <a:xfrm>
+            <a:off x="1303800" y="1153190"/>
+            <a:ext cx="7030500" cy="3775269"/>
+          </a:xfrm>
+          <a:prstGeom prst="rect">
+            <a:avLst/>
+          </a:prstGeom>
+          <a:noFill/>
+          <a:ln>
+            <a:noFill/>
+          </a:ln>
+        </p:spPr>
+        <p:txBody>
+          <a:bodyPr wrap="square" lIns="91425" tIns="91425" rIns="91425" bIns="91425" anchor="t" anchorCtr="0">
+            <a:noAutofit/>
+          </a:bodyPr>
+          <a:lstStyle/>
+          <a:p>
+            <a:pPr marL="139700" lvl="0" indent="0">
+              <a:spcAft>
+                <a:spcPts val="0"/>
+              </a:spcAft>
+              <a:buClr>
+                <a:srgbClr val="D9D9D9"/>
+              </a:buClr>
+              <a:buNone/>
+            </a:pPr>
+            <a:endParaRPr lang="en-US" sz="1400" b="1" dirty="0">
+              <a:solidFill>
+                <a:srgbClr val="002060"/>
+              </a:solidFill>
+            </a:endParaRPr>
+          </a:p>
+          <a:p>
+            <a:pPr marL="457200" lvl="6" indent="-298450">
+              <a:lnSpc>
+                <a:spcPct val="150000"/>
+              </a:lnSpc>
+              <a:spcAft>
+                <a:spcPts val="0"/>
+              </a:spcAft>
+              <a:buClr>
+                <a:srgbClr val="D9D9D9"/>
+              </a:buClr>
+            </a:pPr>
+            <a:r>
+              <a:rPr lang="en-US" sz="1400" b="1" dirty="0">
+                <a:solidFill>
+                  <a:srgbClr val="002060"/>
+                </a:solidFill>
+              </a:rPr>
+              <a:t>Time Management is vital</a:t>
+            </a:r>
+          </a:p>
+          <a:p>
+            <a:pPr marL="746125" lvl="4" indent="-298450">
+              <a:lnSpc>
+                <a:spcPct val="150000"/>
+              </a:lnSpc>
+              <a:spcAft>
+                <a:spcPts val="0"/>
+              </a:spcAft>
+              <a:buClr>
+                <a:srgbClr val="D9D9D9"/>
+              </a:buClr>
+            </a:pPr>
+            <a:r>
+              <a:rPr lang="en-US" sz="1400" b="1" dirty="0">
+                <a:solidFill>
+                  <a:srgbClr val="002060"/>
+                </a:solidFill>
+              </a:rPr>
+              <a:t>Set personal deadlines and goals</a:t>
+            </a:r>
+          </a:p>
+          <a:p>
+            <a:pPr marL="746125" lvl="4" indent="-298450">
+              <a:lnSpc>
+                <a:spcPct val="150000"/>
+              </a:lnSpc>
+              <a:spcAft>
+                <a:spcPts val="0"/>
+              </a:spcAft>
+              <a:buClr>
+                <a:srgbClr val="D9D9D9"/>
+              </a:buClr>
+            </a:pPr>
+            <a:r>
+              <a:rPr lang="en-US" sz="1400" b="1" dirty="0">
+                <a:solidFill>
+                  <a:srgbClr val="002060"/>
+                </a:solidFill>
+              </a:rPr>
+              <a:t>Graphs and Charts explained (results) </a:t>
+            </a:r>
+          </a:p>
+          <a:p>
+            <a:pPr marL="746125" lvl="4" indent="-298450">
+              <a:lnSpc>
+                <a:spcPct val="150000"/>
+              </a:lnSpc>
+              <a:spcAft>
+                <a:spcPts val="0"/>
+              </a:spcAft>
+              <a:buClr>
+                <a:srgbClr val="D9D9D9"/>
+              </a:buClr>
+            </a:pPr>
+            <a:endParaRPr lang="en-US" sz="1400" b="1" dirty="0">
+              <a:solidFill>
+                <a:schemeClr val="bg1">
+                  <a:lumMod val="75000"/>
+                </a:schemeClr>
+              </a:solidFill>
+            </a:endParaRPr>
+          </a:p>
+          <a:p>
+            <a:pPr marL="465138" indent="-304800">
+              <a:lnSpc>
+                <a:spcPct val="150000"/>
+              </a:lnSpc>
+              <a:spcAft>
+                <a:spcPts val="0"/>
+              </a:spcAft>
+              <a:buClr>
+                <a:srgbClr val="D9D9D9"/>
+              </a:buClr>
+            </a:pPr>
+            <a:r>
+              <a:rPr lang="en-US" sz="1400" b="1" dirty="0">
+                <a:solidFill>
+                  <a:srgbClr val="002060"/>
+                </a:solidFill>
+              </a:rPr>
+              <a:t>Work with people/advisors  that acknowledges your hard work and progress</a:t>
+            </a:r>
+            <a:endParaRPr lang="en-US" sz="1050" b="1" dirty="0">
+              <a:solidFill>
+                <a:srgbClr val="002060"/>
+              </a:solidFill>
+            </a:endParaRPr>
+          </a:p>
+          <a:p>
+            <a:pPr marL="742950" lvl="1" indent="-296863">
+              <a:lnSpc>
+                <a:spcPct val="150000"/>
+              </a:lnSpc>
+              <a:spcAft>
+                <a:spcPts val="0"/>
+              </a:spcAft>
+              <a:buClr>
+                <a:srgbClr val="D9D9D9"/>
+              </a:buClr>
+            </a:pPr>
+            <a:endParaRPr lang="en-US" sz="1050" b="1" dirty="0">
+              <a:solidFill>
+                <a:srgbClr val="002060"/>
+              </a:solidFill>
+            </a:endParaRPr>
+          </a:p>
+          <a:p>
+            <a:pPr marL="465138" indent="-304800">
+              <a:lnSpc>
+                <a:spcPct val="150000"/>
+              </a:lnSpc>
+              <a:spcAft>
+                <a:spcPts val="0"/>
+              </a:spcAft>
+              <a:buClr>
+                <a:srgbClr val="D9D9D9"/>
+              </a:buClr>
+            </a:pPr>
+            <a:endParaRPr lang="en-US" sz="1400" b="1" dirty="0">
+              <a:solidFill>
+                <a:schemeClr val="bg1">
+                  <a:lumMod val="75000"/>
+                </a:schemeClr>
+              </a:solidFill>
+            </a:endParaRPr>
+          </a:p>
+          <a:p>
+            <a:pPr marL="344488" marR="0" lvl="0" indent="0" algn="l" rtl="0">
+              <a:lnSpc>
+                <a:spcPct val="150000"/>
+              </a:lnSpc>
+              <a:spcBef>
+                <a:spcPts val="0"/>
+              </a:spcBef>
+              <a:spcAft>
+                <a:spcPts val="0"/>
+              </a:spcAft>
+              <a:buClr>
+                <a:srgbClr val="D9D9D9"/>
+              </a:buClr>
+              <a:buSzPct val="100000"/>
+              <a:buNone/>
+            </a:pPr>
+            <a:endParaRPr lang="en-US" sz="1400" b="1" dirty="0">
+              <a:solidFill>
+                <a:srgbClr val="002060"/>
+              </a:solidFill>
+            </a:endParaRPr>
+          </a:p>
+          <a:p>
+            <a:pPr marL="515938" marR="0" lvl="0" indent="-171450" algn="l" rtl="0">
+              <a:lnSpc>
+                <a:spcPct val="115000"/>
+              </a:lnSpc>
+              <a:spcBef>
+                <a:spcPts val="0"/>
+              </a:spcBef>
+              <a:spcAft>
+                <a:spcPts val="0"/>
+              </a:spcAft>
+              <a:buClr>
+                <a:srgbClr val="D9D9D9"/>
+              </a:buClr>
+              <a:buSzPct val="100000"/>
+              <a:buFont typeface="Courier New" panose="02070309020205020404" pitchFamily="49" charset="0"/>
+              <a:buChar char="o"/>
+            </a:pPr>
+            <a:endParaRPr lang="en-US" sz="1400" b="1" dirty="0">
+              <a:solidFill>
+                <a:srgbClr val="002060"/>
+              </a:solidFill>
+            </a:endParaRPr>
+          </a:p>
+        </p:txBody>
+      </p:sp>
+      <p:sp>
+        <p:nvSpPr>
+          <p:cNvPr id="5" name="Shape 298"/>
+          <p:cNvSpPr txBox="1">
+            <a:spLocks noGrp="1"/>
+          </p:cNvSpPr>
+          <p:nvPr>
+            <p:ph type="title"/>
+          </p:nvPr>
+        </p:nvSpPr>
+        <p:spPr>
+          <a:xfrm>
+            <a:off x="1303800" y="153891"/>
+            <a:ext cx="7030500" cy="999300"/>
+          </a:xfrm>
+          <a:prstGeom prst="rect">
+            <a:avLst/>
+          </a:prstGeom>
+          <a:noFill/>
+          <a:ln>
+            <a:noFill/>
+          </a:ln>
+        </p:spPr>
+        <p:txBody>
+          <a:bodyPr wrap="square" lIns="91425" tIns="91425" rIns="91425" bIns="91425" anchor="t" anchorCtr="0">
+            <a:noAutofit/>
+          </a:bodyPr>
+          <a:lstStyle/>
+          <a:p>
+            <a:pPr marL="0" marR="0" lvl="0" indent="0" algn="l" rtl="0">
+              <a:lnSpc>
+                <a:spcPct val="100000"/>
+              </a:lnSpc>
+              <a:spcBef>
+                <a:spcPts val="0"/>
+              </a:spcBef>
+              <a:spcAft>
+                <a:spcPts val="0"/>
+              </a:spcAft>
+              <a:buClr>
+                <a:schemeClr val="dk2"/>
+              </a:buClr>
+              <a:buSzPct val="25000"/>
+              <a:buFont typeface="Maven Pro"/>
+              <a:buNone/>
+            </a:pPr>
+            <a:r>
+              <a:rPr lang="en" sz="2400" b="1" i="0" u="none" strike="noStrike" cap="none" dirty="0">
+                <a:solidFill>
+                  <a:srgbClr val="FFC000"/>
+                </a:solidFill>
+                <a:latin typeface="Bell MT"/>
+                <a:ea typeface="Bell MT"/>
+                <a:cs typeface="Bell MT"/>
+                <a:sym typeface="Bell MT"/>
+              </a:rPr>
+              <a:t>Lessons Learned:</a:t>
+            </a:r>
+          </a:p>
+        </p:txBody>
+      </p:sp>
+    </p:spTree>
+    <p:extLst>
+      <p:ext uri="{BB962C8B-B14F-4D97-AF65-F5344CB8AC3E}">
+        <p14:creationId xmlns:p14="http://schemas.microsoft.com/office/powerpoint/2010/main" val="3699142417"/>
+      </p:ext>
+    </p:extLst>
+  </p:cSld>
+  <p:clrMapOvr>
+    <a:masterClrMapping/>
+  </p:clrMapOvr>
+</p:sld>
+</file>
+
+<file path=ppt/slides/slide8.xml><?xml version="1.0" encoding="utf-8"?>
+<p:sld xmlns:a="http://schemas.openxmlformats.org/drawingml/2006/main" xmlns:r="http://schemas.openxmlformats.org/officeDocument/2006/relationships" xmlns:p="http://schemas.openxmlformats.org/presentationml/2006/main">
+  <p:cSld>
+    <p:spTree>
+      <p:nvGrpSpPr>
+        <p:cNvPr id="1" name="Shape 296"/>
+        <p:cNvGrpSpPr/>
+        <p:nvPr/>
+      </p:nvGrpSpPr>
+      <p:grpSpPr>
+        <a:xfrm>
+          <a:off x="0" y="0"/>
+          <a:ext cx="0" cy="0"/>
+          <a:chOff x="0" y="0"/>
+          <a:chExt cx="0" cy="0"/>
+        </a:xfrm>
+      </p:grpSpPr>
+      <p:sp>
+        <p:nvSpPr>
           <p:cNvPr id="5" name="Shape 298"/>
           <p:cNvSpPr txBox="1">
             <a:spLocks noGrp="1"/>
